--- a/DemoDay_FTD_Presentation.pptx
+++ b/DemoDay_FTD_Presentation.pptx
@@ -23,6 +23,7 @@
     <p:sldId id="279" r:id="rId17"/>
     <p:sldId id="278" r:id="rId18"/>
     <p:sldId id="265" r:id="rId19"/>
+    <p:sldId id="280" r:id="rId20"/>
   </p:sldIdLst>
   <p:sldSz cx="12192000" cy="6858000"/>
   <p:notesSz cx="6858000" cy="9144000"/>
@@ -121,6 +122,11 @@
       </a:defRPr>
     </a:lvl9pPr>
   </p:defaultTextStyle>
+  <p:extLst>
+    <p:ext uri="{EFAFB233-063F-42B5-8137-9DF3F51BA10A}">
+      <p15:sldGuideLst xmlns:p15="http://schemas.microsoft.com/office/powerpoint/2012/main"/>
+    </p:ext>
+  </p:extLst>
 </p:presentation>
 </file>
 
@@ -28029,6 +28035,166 @@
 </p:sld>
 </file>
 
+<file path=ppt/slides/slide16.xml><?xml version="1.0" encoding="utf-8"?>
+<p:sld xmlns:a="http://schemas.openxmlformats.org/drawingml/2006/main" xmlns:r="http://schemas.openxmlformats.org/officeDocument/2006/relationships" xmlns:p="http://schemas.openxmlformats.org/presentationml/2006/main">
+  <p:cSld>
+    <p:spTree>
+      <p:nvGrpSpPr>
+        <p:cNvPr id="1" name=""/>
+        <p:cNvGrpSpPr/>
+        <p:nvPr/>
+      </p:nvGrpSpPr>
+      <p:grpSpPr>
+        <a:xfrm>
+          <a:off x="0" y="0"/>
+          <a:ext cx="0" cy="0"/>
+          <a:chOff x="0" y="0"/>
+          <a:chExt cx="0" cy="0"/>
+        </a:xfrm>
+      </p:grpSpPr>
+      <p:sp>
+        <p:nvSpPr>
+          <p:cNvPr id="2" name="Title 1">
+            <a:extLst>
+              <a:ext uri="{FF2B5EF4-FFF2-40B4-BE49-F238E27FC236}">
+                <a16:creationId xmlns:a16="http://schemas.microsoft.com/office/drawing/2014/main" id="{BD48F198-E90E-4576-97AE-5F8EEAE7A557}"/>
+              </a:ext>
+            </a:extLst>
+          </p:cNvPr>
+          <p:cNvSpPr>
+            <a:spLocks noGrp="1"/>
+          </p:cNvSpPr>
+          <p:nvPr>
+            <p:ph type="title"/>
+          </p:nvPr>
+        </p:nvSpPr>
+        <p:spPr/>
+        <p:txBody>
+          <a:bodyPr/>
+          <a:lstStyle/>
+          <a:p>
+            <a:r>
+              <a:rPr lang="en-US" dirty="0"/>
+              <a:t>Data Sources Used</a:t>
+            </a:r>
+            <a:endParaRPr lang="en-CA" dirty="0"/>
+          </a:p>
+        </p:txBody>
+      </p:sp>
+      <p:sp>
+        <p:nvSpPr>
+          <p:cNvPr id="3" name="Content Placeholder 2">
+            <a:extLst>
+              <a:ext uri="{FF2B5EF4-FFF2-40B4-BE49-F238E27FC236}">
+                <a16:creationId xmlns:a16="http://schemas.microsoft.com/office/drawing/2014/main" id="{F54A1424-FBBB-43D6-8199-B4C053CAA5BF}"/>
+              </a:ext>
+            </a:extLst>
+          </p:cNvPr>
+          <p:cNvSpPr>
+            <a:spLocks noGrp="1"/>
+          </p:cNvSpPr>
+          <p:nvPr>
+            <p:ph idx="1"/>
+          </p:nvPr>
+        </p:nvSpPr>
+        <p:spPr/>
+        <p:txBody>
+          <a:bodyPr/>
+          <a:lstStyle/>
+          <a:p>
+            <a:r>
+              <a:rPr lang="en-US" dirty="0"/>
+              <a:t>SEC Website for Fail-to-Delivers</a:t>
+            </a:r>
+          </a:p>
+          <a:p>
+            <a:pPr lvl="1"/>
+            <a:r>
+              <a:rPr lang="en-CA" dirty="0">
+                <a:hlinkClick r:id="rId2"/>
+              </a:rPr>
+              <a:t>https://www.sec.gov/data/foiadocsfailsdatahtm</a:t>
+            </a:r>
+            <a:endParaRPr lang="en-US" dirty="0"/>
+          </a:p>
+          <a:p>
+            <a:r>
+              <a:rPr lang="en-US" dirty="0"/>
+              <a:t>FMP API for Historical Pricing and Float Data </a:t>
+            </a:r>
+          </a:p>
+          <a:p>
+            <a:pPr lvl="1"/>
+            <a:r>
+              <a:rPr lang="en-CA" dirty="0">
+                <a:hlinkClick r:id="rId3"/>
+              </a:rPr>
+              <a:t>https://fmpcloud.io/documentation</a:t>
+            </a:r>
+            <a:endParaRPr lang="en-CA" dirty="0"/>
+          </a:p>
+          <a:p>
+            <a:r>
+              <a:rPr lang="en-CA" dirty="0"/>
+              <a:t>Investor’s Exchange (IEX) API for Outstanding Share Data </a:t>
+            </a:r>
+          </a:p>
+          <a:p>
+            <a:pPr lvl="1"/>
+            <a:r>
+              <a:rPr lang="en-US" dirty="0">
+                <a:hlinkClick r:id="rId4"/>
+              </a:rPr>
+              <a:t>https://iexcloud.io/docs/api/</a:t>
+            </a:r>
+            <a:endParaRPr lang="en-CA" dirty="0"/>
+          </a:p>
+          <a:p>
+            <a:r>
+              <a:rPr lang="en-US" dirty="0"/>
+              <a:t>Short Interest Data from FINRA through NASDAQ/</a:t>
+            </a:r>
+            <a:r>
+              <a:rPr lang="en-US" dirty="0" err="1"/>
+              <a:t>Quandl</a:t>
+            </a:r>
+            <a:r>
+              <a:rPr lang="en-US" dirty="0"/>
+              <a:t> API </a:t>
+            </a:r>
+          </a:p>
+          <a:p>
+            <a:pPr lvl="1"/>
+            <a:r>
+              <a:rPr lang="en-US" dirty="0">
+                <a:hlinkClick r:id="rId5"/>
+              </a:rPr>
+              <a:t>https://data.nasdaq.com/data/FINRA-financial-industry-regulatory-authority</a:t>
+            </a:r>
+            <a:endParaRPr lang="en-US" dirty="0"/>
+          </a:p>
+          <a:p>
+            <a:pPr lvl="1"/>
+            <a:endParaRPr lang="en-US" dirty="0"/>
+          </a:p>
+          <a:p>
+            <a:endParaRPr lang="en-CA" dirty="0"/>
+          </a:p>
+        </p:txBody>
+      </p:sp>
+    </p:spTree>
+    <p:extLst>
+      <p:ext uri="{BB962C8B-B14F-4D97-AF65-F5344CB8AC3E}">
+        <p14:creationId xmlns:p14="http://schemas.microsoft.com/office/powerpoint/2010/main" val="1255649240"/>
+      </p:ext>
+    </p:extLst>
+  </p:cSld>
+  <p:clrMapOvr>
+    <a:masterClrMapping/>
+  </p:clrMapOvr>
+</p:sld>
+</file>
+
 <file path=ppt/slides/slide2.xml><?xml version="1.0" encoding="utf-8"?>
 <p:sld xmlns:a="http://schemas.openxmlformats.org/drawingml/2006/main" xmlns:r="http://schemas.openxmlformats.org/officeDocument/2006/relationships" xmlns:p="http://schemas.openxmlformats.org/presentationml/2006/main">
   <p:cSld>
@@ -28777,7 +28943,7 @@
           <a:p>
             <a:r>
               <a:rPr lang="en-US" sz="1900" dirty="0"/>
-              <a:t>This project is a actually a culmination of three projects completed over the span of the </a:t>
+              <a:t>This project is actually a culmination of three projects completed over the span of the </a:t>
             </a:r>
             <a:r>
               <a:rPr lang="en-US" sz="1900" dirty="0" err="1"/>
@@ -29567,48 +29733,273 @@
           </a:p>
         </p:txBody>
       </p:sp>
-      <p:sp>
-        <p:nvSpPr>
-          <p:cNvPr id="3" name="Content Placeholder 2">
-            <a:extLst>
-              <a:ext uri="{FF2B5EF4-FFF2-40B4-BE49-F238E27FC236}">
-                <a16:creationId xmlns:a16="http://schemas.microsoft.com/office/drawing/2014/main" id="{BCB179E0-2700-4EE0-B80E-1F8A3DB70550}"/>
-              </a:ext>
-            </a:extLst>
-          </p:cNvPr>
-          <p:cNvSpPr>
-            <a:spLocks noGrp="1"/>
-          </p:cNvSpPr>
-          <p:nvPr>
-            <p:ph idx="1"/>
-          </p:nvPr>
-        </p:nvSpPr>
-        <p:spPr>
-          <a:xfrm>
-            <a:off x="4965431" y="2438400"/>
-            <a:ext cx="6586489" cy="3785419"/>
-          </a:xfrm>
-        </p:spPr>
-        <p:txBody>
-          <a:bodyPr>
-            <a:normAutofit/>
-          </a:bodyPr>
-          <a:lstStyle/>
-          <a:p>
-            <a:r>
-              <a:rPr lang="en-US" sz="2000" dirty="0"/>
-              <a:t>Divide the total quantity of FTDs over a given time period, and divide that number by either the Outstanding Shares, or current Float available to trade </a:t>
-            </a:r>
-          </a:p>
-          <a:p>
-            <a:r>
-              <a:rPr lang="en-US" sz="2000" dirty="0"/>
-              <a:t>This gives a percentage that allows different stocks with wildly different values of Outstanding Shares to be compared directly against each other, allowing us to find the Stock symbols which post the greatest amounts of FTDs on the market </a:t>
-            </a:r>
-            <a:endParaRPr lang="en-CA" sz="2000" dirty="0"/>
-          </a:p>
-        </p:txBody>
-      </p:sp>
+      <mc:AlternateContent xmlns:mc="http://schemas.openxmlformats.org/markup-compatibility/2006">
+        <mc:Choice xmlns:a14="http://schemas.microsoft.com/office/drawing/2010/main" Requires="a14">
+          <p:sp>
+            <p:nvSpPr>
+              <p:cNvPr id="3" name="Content Placeholder 2">
+                <a:extLst>
+                  <a:ext uri="{FF2B5EF4-FFF2-40B4-BE49-F238E27FC236}">
+                    <a16:creationId xmlns:a16="http://schemas.microsoft.com/office/drawing/2014/main" id="{BCB179E0-2700-4EE0-B80E-1F8A3DB70550}"/>
+                  </a:ext>
+                </a:extLst>
+              </p:cNvPr>
+              <p:cNvSpPr>
+                <a:spLocks noGrp="1"/>
+              </p:cNvSpPr>
+              <p:nvPr>
+                <p:ph idx="1"/>
+              </p:nvPr>
+            </p:nvSpPr>
+            <p:spPr>
+              <a:xfrm>
+                <a:off x="4965431" y="2438400"/>
+                <a:ext cx="6586489" cy="3785419"/>
+              </a:xfrm>
+            </p:spPr>
+            <p:txBody>
+              <a:bodyPr>
+                <a:normAutofit/>
+              </a:bodyPr>
+              <a:lstStyle/>
+              <a:p>
+                <a:r>
+                  <a:rPr lang="en-US" sz="2000" dirty="0"/>
+                  <a:t>Divide the total quantity of FTDs over a given time period, and divide that number by either the Outstanding Shares, or current Float available to trade </a:t>
+                </a:r>
+              </a:p>
+              <a:p>
+                <a:r>
+                  <a:rPr lang="en-US" sz="2000" dirty="0"/>
+                  <a:t>This gives a percentage that allows different stocks with wildly different values of Outstanding Shares to be compared directly against each other, allowing us to find the Stock symbols which post the greatest amounts of FTDs on the market </a:t>
+                </a:r>
+              </a:p>
+              <a:p>
+                <a:endParaRPr lang="en-US" sz="2000" dirty="0"/>
+              </a:p>
+              <a:p>
+                <a:pPr marL="0" indent="0">
+                  <a:buNone/>
+                </a:pPr>
+                <a14:m>
+                  <m:oMathPara xmlns:m="http://schemas.openxmlformats.org/officeDocument/2006/math">
+                    <m:oMathParaPr>
+                      <m:jc m:val="centerGroup"/>
+                    </m:oMathParaPr>
+                    <m:oMath xmlns:m="http://schemas.openxmlformats.org/officeDocument/2006/math">
+                      <m:f>
+                        <m:fPr>
+                          <m:ctrlPr>
+                            <a:rPr lang="en-CA" sz="1800" i="1" smtClean="0">
+                              <a:effectLst/>
+                              <a:latin typeface="Cambria Math" panose="02040503050406030204" pitchFamily="18" charset="0"/>
+                              <a:ea typeface="Calibri" panose="020F0502020204030204" pitchFamily="34" charset="0"/>
+                              <a:cs typeface="Times New Roman" panose="02020603050405020304" pitchFamily="18" charset="0"/>
+                            </a:rPr>
+                          </m:ctrlPr>
+                        </m:fPr>
+                        <m:num>
+                          <m:r>
+                            <a:rPr lang="en-CA" sz="1800" i="1">
+                              <a:effectLst/>
+                              <a:latin typeface="Cambria Math" panose="02040503050406030204" pitchFamily="18" charset="0"/>
+                              <a:ea typeface="Calibri" panose="020F0502020204030204" pitchFamily="34" charset="0"/>
+                              <a:cs typeface="Times New Roman" panose="02020603050405020304" pitchFamily="18" charset="0"/>
+                            </a:rPr>
+                            <m:t>𝑄𝑢𝑎𝑛𝑡𝑖𝑡𝑦</m:t>
+                          </m:r>
+                          <m:r>
+                            <a:rPr lang="en-CA" sz="1800" i="1">
+                              <a:effectLst/>
+                              <a:latin typeface="Cambria Math" panose="02040503050406030204" pitchFamily="18" charset="0"/>
+                              <a:ea typeface="Calibri" panose="020F0502020204030204" pitchFamily="34" charset="0"/>
+                              <a:cs typeface="Times New Roman" panose="02020603050405020304" pitchFamily="18" charset="0"/>
+                            </a:rPr>
+                            <m:t> </m:t>
+                          </m:r>
+                          <m:r>
+                            <a:rPr lang="en-CA" sz="1800" i="1">
+                              <a:effectLst/>
+                              <a:latin typeface="Cambria Math" panose="02040503050406030204" pitchFamily="18" charset="0"/>
+                              <a:ea typeface="Calibri" panose="020F0502020204030204" pitchFamily="34" charset="0"/>
+                              <a:cs typeface="Times New Roman" panose="02020603050405020304" pitchFamily="18" charset="0"/>
+                            </a:rPr>
+                            <m:t>𝑜𝑓</m:t>
+                          </m:r>
+                          <m:r>
+                            <a:rPr lang="en-CA" sz="1800" i="1">
+                              <a:effectLst/>
+                              <a:latin typeface="Cambria Math" panose="02040503050406030204" pitchFamily="18" charset="0"/>
+                              <a:ea typeface="Calibri" panose="020F0502020204030204" pitchFamily="34" charset="0"/>
+                              <a:cs typeface="Times New Roman" panose="02020603050405020304" pitchFamily="18" charset="0"/>
+                            </a:rPr>
+                            <m:t> </m:t>
+                          </m:r>
+                          <m:r>
+                            <a:rPr lang="en-CA" sz="1800" i="1">
+                              <a:effectLst/>
+                              <a:latin typeface="Cambria Math" panose="02040503050406030204" pitchFamily="18" charset="0"/>
+                              <a:ea typeface="Calibri" panose="020F0502020204030204" pitchFamily="34" charset="0"/>
+                              <a:cs typeface="Times New Roman" panose="02020603050405020304" pitchFamily="18" charset="0"/>
+                            </a:rPr>
+                            <m:t>𝐹𝑇𝐷𝑠</m:t>
+                          </m:r>
+                        </m:num>
+                        <m:den>
+                          <m:r>
+                            <a:rPr lang="en-CA" sz="1800" i="1">
+                              <a:effectLst/>
+                              <a:latin typeface="Cambria Math" panose="02040503050406030204" pitchFamily="18" charset="0"/>
+                              <a:ea typeface="Calibri" panose="020F0502020204030204" pitchFamily="34" charset="0"/>
+                              <a:cs typeface="Times New Roman" panose="02020603050405020304" pitchFamily="18" charset="0"/>
+                            </a:rPr>
+                            <m:t># </m:t>
+                          </m:r>
+                          <m:r>
+                            <a:rPr lang="en-CA" sz="1800" i="1">
+                              <a:effectLst/>
+                              <a:latin typeface="Cambria Math" panose="02040503050406030204" pitchFamily="18" charset="0"/>
+                              <a:ea typeface="Calibri" panose="020F0502020204030204" pitchFamily="34" charset="0"/>
+                              <a:cs typeface="Times New Roman" panose="02020603050405020304" pitchFamily="18" charset="0"/>
+                            </a:rPr>
+                            <m:t>𝑜𝑓</m:t>
+                          </m:r>
+                          <m:r>
+                            <a:rPr lang="en-CA" sz="1800" i="1">
+                              <a:effectLst/>
+                              <a:latin typeface="Cambria Math" panose="02040503050406030204" pitchFamily="18" charset="0"/>
+                              <a:ea typeface="Calibri" panose="020F0502020204030204" pitchFamily="34" charset="0"/>
+                              <a:cs typeface="Times New Roman" panose="02020603050405020304" pitchFamily="18" charset="0"/>
+                            </a:rPr>
+                            <m:t> </m:t>
+                          </m:r>
+                          <m:r>
+                            <a:rPr lang="en-CA" sz="1800" i="1">
+                              <a:effectLst/>
+                              <a:latin typeface="Cambria Math" panose="02040503050406030204" pitchFamily="18" charset="0"/>
+                              <a:ea typeface="Calibri" panose="020F0502020204030204" pitchFamily="34" charset="0"/>
+                              <a:cs typeface="Times New Roman" panose="02020603050405020304" pitchFamily="18" charset="0"/>
+                            </a:rPr>
+                            <m:t>𝑂𝑢𝑡𝑠𝑡𝑎𝑛𝑑𝑖𝑛𝑔</m:t>
+                          </m:r>
+                          <m:r>
+                            <a:rPr lang="en-CA" sz="1800" i="1">
+                              <a:effectLst/>
+                              <a:latin typeface="Cambria Math" panose="02040503050406030204" pitchFamily="18" charset="0"/>
+                              <a:ea typeface="Calibri" panose="020F0502020204030204" pitchFamily="34" charset="0"/>
+                              <a:cs typeface="Times New Roman" panose="02020603050405020304" pitchFamily="18" charset="0"/>
+                            </a:rPr>
+                            <m:t> </m:t>
+                          </m:r>
+                          <m:r>
+                            <a:rPr lang="en-CA" sz="1800" i="1">
+                              <a:effectLst/>
+                              <a:latin typeface="Cambria Math" panose="02040503050406030204" pitchFamily="18" charset="0"/>
+                              <a:ea typeface="Calibri" panose="020F0502020204030204" pitchFamily="34" charset="0"/>
+                              <a:cs typeface="Times New Roman" panose="02020603050405020304" pitchFamily="18" charset="0"/>
+                            </a:rPr>
+                            <m:t>𝑆h𝑎𝑟𝑒𝑠</m:t>
+                          </m:r>
+                        </m:den>
+                      </m:f>
+                      <m:r>
+                        <a:rPr lang="en-CA" sz="1800" i="1">
+                          <a:effectLst/>
+                          <a:latin typeface="Cambria Math" panose="02040503050406030204" pitchFamily="18" charset="0"/>
+                          <a:ea typeface="Calibri" panose="020F0502020204030204" pitchFamily="34" charset="0"/>
+                          <a:cs typeface="Times New Roman" panose="02020603050405020304" pitchFamily="18" charset="0"/>
+                        </a:rPr>
+                        <m:t>=</m:t>
+                      </m:r>
+                      <m:r>
+                        <a:rPr lang="en-CA" sz="1800" i="1">
+                          <a:effectLst/>
+                          <a:latin typeface="Cambria Math" panose="02040503050406030204" pitchFamily="18" charset="0"/>
+                          <a:ea typeface="Calibri" panose="020F0502020204030204" pitchFamily="34" charset="0"/>
+                          <a:cs typeface="Times New Roman" panose="02020603050405020304" pitchFamily="18" charset="0"/>
+                        </a:rPr>
+                        <m:t>𝐹𝑇𝐷</m:t>
+                      </m:r>
+                      <m:r>
+                        <a:rPr lang="en-CA" sz="1800" i="1">
+                          <a:effectLst/>
+                          <a:latin typeface="Cambria Math" panose="02040503050406030204" pitchFamily="18" charset="0"/>
+                          <a:ea typeface="Calibri" panose="020F0502020204030204" pitchFamily="34" charset="0"/>
+                          <a:cs typeface="Times New Roman" panose="02020603050405020304" pitchFamily="18" charset="0"/>
+                        </a:rPr>
+                        <m:t> %</m:t>
+                      </m:r>
+                    </m:oMath>
+                  </m:oMathPara>
+                </a14:m>
+                <a:endParaRPr lang="en-CA" sz="1800">
+                  <a:effectLst/>
+                  <a:latin typeface="Calibri" panose="020F0502020204030204" pitchFamily="34" charset="0"/>
+                  <a:ea typeface="Calibri" panose="020F0502020204030204" pitchFamily="34" charset="0"/>
+                  <a:cs typeface="Times New Roman" panose="02020603050405020304" pitchFamily="18" charset="0"/>
+                </a:endParaRPr>
+              </a:p>
+              <a:p>
+                <a:pPr marL="0" indent="0">
+                  <a:buNone/>
+                </a:pPr>
+                <a:endParaRPr lang="en-CA" sz="1800" dirty="0">
+                  <a:effectLst/>
+                  <a:latin typeface="Calibri" panose="020F0502020204030204" pitchFamily="34" charset="0"/>
+                  <a:ea typeface="Calibri" panose="020F0502020204030204" pitchFamily="34" charset="0"/>
+                  <a:cs typeface="Times New Roman" panose="02020603050405020304" pitchFamily="18" charset="0"/>
+                </a:endParaRPr>
+              </a:p>
+              <a:p>
+                <a:endParaRPr lang="en-CA" sz="2000" dirty="0"/>
+              </a:p>
+            </p:txBody>
+          </p:sp>
+        </mc:Choice>
+        <mc:Fallback>
+          <p:sp>
+            <p:nvSpPr>
+              <p:cNvPr id="3" name="Content Placeholder 2">
+                <a:extLst>
+                  <a:ext uri="{FF2B5EF4-FFF2-40B4-BE49-F238E27FC236}">
+                    <a16:creationId xmlns:a16="http://schemas.microsoft.com/office/drawing/2014/main" id="{BCB179E0-2700-4EE0-B80E-1F8A3DB70550}"/>
+                  </a:ext>
+                </a:extLst>
+              </p:cNvPr>
+              <p:cNvSpPr>
+                <a:spLocks noGrp="1" noRot="1" noChangeAspect="1" noMove="1" noResize="1" noEditPoints="1" noAdjustHandles="1" noChangeArrowheads="1" noChangeShapeType="1" noTextEdit="1"/>
+              </p:cNvSpPr>
+              <p:nvPr>
+                <p:ph idx="1"/>
+              </p:nvPr>
+            </p:nvSpPr>
+            <p:spPr>
+              <a:xfrm>
+                <a:off x="4965431" y="2438400"/>
+                <a:ext cx="6586489" cy="3785419"/>
+              </a:xfrm>
+              <a:blipFill>
+                <a:blip r:embed="rId2"/>
+                <a:stretch>
+                  <a:fillRect l="-833" t="-1610" r="-1204"/>
+                </a:stretch>
+              </a:blipFill>
+            </p:spPr>
+            <p:txBody>
+              <a:bodyPr/>
+              <a:lstStyle/>
+              <a:p>
+                <a:r>
+                  <a:rPr lang="en-CA">
+                    <a:noFill/>
+                  </a:rPr>
+                  <a:t> </a:t>
+                </a:r>
+              </a:p>
+            </p:txBody>
+          </p:sp>
+        </mc:Fallback>
+      </mc:AlternateContent>
       <p:pic>
         <p:nvPicPr>
           <p:cNvPr id="5" name="Picture 4" descr="Codes on papers">
@@ -29624,7 +30015,7 @@
           <p:nvPr/>
         </p:nvPicPr>
         <p:blipFill rotWithShape="1">
-          <a:blip r:embed="rId2"/>
+          <a:blip r:embed="rId3"/>
           <a:srcRect l="28414" r="26466" b="-1"/>
           <a:stretch/>
         </p:blipFill>
@@ -29707,6 +30098,14 @@
 <file path=ppt/slides/slide7.xml><?xml version="1.0" encoding="utf-8"?>
 <p:sld xmlns:a="http://schemas.openxmlformats.org/drawingml/2006/main" xmlns:r="http://schemas.openxmlformats.org/officeDocument/2006/relationships" xmlns:p="http://schemas.openxmlformats.org/presentationml/2006/main">
   <p:cSld>
+    <p:bg>
+      <p:bgPr>
+        <a:solidFill>
+          <a:schemeClr val="bg1"/>
+        </a:solidFill>
+        <a:effectLst/>
+      </p:bgPr>
+    </p:bg>
     <p:spTree>
       <p:nvGrpSpPr>
         <p:cNvPr id="1" name=""/>
@@ -29721,6 +30120,382 @@
           <a:chExt cx="0" cy="0"/>
         </a:xfrm>
       </p:grpSpPr>
+      <p:sp useBgFill="1">
+        <p:nvSpPr>
+          <p:cNvPr id="22" name="Rectangle 7">
+            <a:extLst>
+              <a:ext uri="{FF2B5EF4-FFF2-40B4-BE49-F238E27FC236}">
+                <a16:creationId xmlns:a16="http://schemas.microsoft.com/office/drawing/2014/main" id="{1B15ED52-F352-441B-82BF-E0EA34836D08}"/>
+              </a:ext>
+              <a:ext uri="{C183D7F6-B498-43B3-948B-1728B52AA6E4}">
+                <adec:decorative xmlns:adec="http://schemas.microsoft.com/office/drawing/2017/decorative" val="1"/>
+              </a:ext>
+            </a:extLst>
+          </p:cNvPr>
+          <p:cNvSpPr>
+            <a:spLocks noGrp="1" noRot="1" noChangeAspect="1" noMove="1" noResize="1" noEditPoints="1" noAdjustHandles="1" noChangeArrowheads="1" noChangeShapeType="1" noTextEdit="1"/>
+          </p:cNvSpPr>
+          <p:nvPr>
+            <p:extLst>
+              <p:ext uri="{386F3935-93C4-4BCD-93E2-E3B085C9AB24}">
+                <p16:designElem xmlns:p16="http://schemas.microsoft.com/office/powerpoint/2015/main" val="1"/>
+              </p:ext>
+            </p:extLst>
+          </p:nvPr>
+        </p:nvSpPr>
+        <p:spPr>
+          <a:xfrm>
+            <a:off x="0" y="0"/>
+            <a:ext cx="12192000" cy="6858000"/>
+          </a:xfrm>
+          <a:prstGeom prst="rect">
+            <a:avLst/>
+          </a:prstGeom>
+          <a:ln w="12700" cap="flat" cmpd="sng" algn="ctr">
+            <a:noFill/>
+            <a:prstDash val="solid"/>
+            <a:miter lim="800000"/>
+          </a:ln>
+          <a:effectLst/>
+          <a:extLst>
+            <a:ext uri="{91240B29-F687-4F45-9708-019B960494DF}">
+              <a14:hiddenLine xmlns:a14="http://schemas.microsoft.com/office/drawing/2010/main" w="12700" cap="flat" cmpd="sng" algn="ctr">
+                <a:solidFill>
+                  <a:schemeClr val="accent1">
+                    <a:shade val="50000"/>
+                  </a:schemeClr>
+                </a:solidFill>
+                <a:prstDash val="solid"/>
+                <a:miter lim="800000"/>
+              </a14:hiddenLine>
+            </a:ext>
+          </a:extLst>
+        </p:spPr>
+        <p:style>
+          <a:lnRef idx="2">
+            <a:schemeClr val="accent1">
+              <a:shade val="50000"/>
+            </a:schemeClr>
+          </a:lnRef>
+          <a:fillRef idx="1">
+            <a:schemeClr val="accent1"/>
+          </a:fillRef>
+          <a:effectRef idx="0">
+            <a:schemeClr val="accent1"/>
+          </a:effectRef>
+          <a:fontRef idx="minor">
+            <a:schemeClr val="lt1"/>
+          </a:fontRef>
+        </p:style>
+        <p:txBody>
+          <a:bodyPr rtlCol="0" anchor="ctr"/>
+          <a:lstStyle/>
+          <a:p>
+            <a:pPr algn="ctr"/>
+            <a:endParaRPr lang="en-US"/>
+          </a:p>
+        </p:txBody>
+      </p:sp>
+      <p:sp>
+        <p:nvSpPr>
+          <p:cNvPr id="10" name="Rectangle 9">
+            <a:extLst>
+              <a:ext uri="{FF2B5EF4-FFF2-40B4-BE49-F238E27FC236}">
+                <a16:creationId xmlns:a16="http://schemas.microsoft.com/office/drawing/2014/main" id="{3B2E3793-BFE6-45A2-9B7B-E18844431C99}"/>
+              </a:ext>
+              <a:ext uri="{C183D7F6-B498-43B3-948B-1728B52AA6E4}">
+                <adec:decorative xmlns:adec="http://schemas.microsoft.com/office/drawing/2017/decorative" val="1"/>
+              </a:ext>
+            </a:extLst>
+          </p:cNvPr>
+          <p:cNvSpPr>
+            <a:spLocks noGrp="1" noRot="1" noChangeAspect="1" noMove="1" noResize="1" noEditPoints="1" noAdjustHandles="1" noChangeArrowheads="1" noChangeShapeType="1" noTextEdit="1"/>
+          </p:cNvSpPr>
+          <p:nvPr>
+            <p:extLst>
+              <p:ext uri="{386F3935-93C4-4BCD-93E2-E3B085C9AB24}">
+                <p16:designElem xmlns:p16="http://schemas.microsoft.com/office/powerpoint/2015/main" val="1"/>
+              </p:ext>
+            </p:extLst>
+          </p:nvPr>
+        </p:nvSpPr>
+        <p:spPr>
+          <a:xfrm flipH="1">
+            <a:off x="-1" y="-1"/>
+            <a:ext cx="12191998" cy="1590742"/>
+          </a:xfrm>
+          <a:prstGeom prst="rect">
+            <a:avLst/>
+          </a:prstGeom>
+          <a:gradFill>
+            <a:gsLst>
+              <a:gs pos="0">
+                <a:srgbClr val="000000"/>
+              </a:gs>
+              <a:gs pos="100000">
+                <a:schemeClr val="accent1">
+                  <a:lumMod val="75000"/>
+                </a:schemeClr>
+              </a:gs>
+            </a:gsLst>
+            <a:lin ang="8400000" scaled="0"/>
+          </a:gradFill>
+          <a:ln>
+            <a:noFill/>
+          </a:ln>
+        </p:spPr>
+        <p:style>
+          <a:lnRef idx="2">
+            <a:schemeClr val="accent1">
+              <a:shade val="50000"/>
+            </a:schemeClr>
+          </a:lnRef>
+          <a:fillRef idx="1">
+            <a:schemeClr val="accent1"/>
+          </a:fillRef>
+          <a:effectRef idx="0">
+            <a:schemeClr val="accent1"/>
+          </a:effectRef>
+          <a:fontRef idx="minor">
+            <a:schemeClr val="lt1"/>
+          </a:fontRef>
+        </p:style>
+        <p:txBody>
+          <a:bodyPr rtlCol="0" anchor="ctr"/>
+          <a:lstStyle/>
+          <a:p>
+            <a:pPr algn="ctr"/>
+            <a:endParaRPr lang="en-US"/>
+          </a:p>
+        </p:txBody>
+      </p:sp>
+      <p:sp>
+        <p:nvSpPr>
+          <p:cNvPr id="12" name="Rectangle 11">
+            <a:extLst>
+              <a:ext uri="{FF2B5EF4-FFF2-40B4-BE49-F238E27FC236}">
+                <a16:creationId xmlns:a16="http://schemas.microsoft.com/office/drawing/2014/main" id="{BC4C4868-CB8F-4AF9-9CDB-8108F2C19B67}"/>
+              </a:ext>
+              <a:ext uri="{C183D7F6-B498-43B3-948B-1728B52AA6E4}">
+                <adec:decorative xmlns:adec="http://schemas.microsoft.com/office/drawing/2017/decorative" val="1"/>
+              </a:ext>
+            </a:extLst>
+          </p:cNvPr>
+          <p:cNvSpPr>
+            <a:spLocks noGrp="1" noRot="1" noChangeAspect="1" noMove="1" noResize="1" noEditPoints="1" noAdjustHandles="1" noChangeArrowheads="1" noChangeShapeType="1" noTextEdit="1"/>
+          </p:cNvSpPr>
+          <p:nvPr>
+            <p:extLst>
+              <p:ext uri="{386F3935-93C4-4BCD-93E2-E3B085C9AB24}">
+                <p16:designElem xmlns:p16="http://schemas.microsoft.com/office/powerpoint/2015/main" val="1"/>
+              </p:ext>
+            </p:extLst>
+          </p:nvPr>
+        </p:nvSpPr>
+        <p:spPr>
+          <a:xfrm rot="10800000" flipH="1">
+            <a:off x="-3" y="0"/>
+            <a:ext cx="8115306" cy="1590742"/>
+          </a:xfrm>
+          <a:prstGeom prst="rect">
+            <a:avLst/>
+          </a:prstGeom>
+          <a:gradFill>
+            <a:gsLst>
+              <a:gs pos="20000">
+                <a:schemeClr val="accent1">
+                  <a:alpha val="0"/>
+                </a:schemeClr>
+              </a:gs>
+              <a:gs pos="100000">
+                <a:schemeClr val="accent1">
+                  <a:lumMod val="50000"/>
+                  <a:alpha val="55000"/>
+                </a:schemeClr>
+              </a:gs>
+            </a:gsLst>
+            <a:lin ang="13800000" scaled="0"/>
+          </a:gradFill>
+          <a:ln>
+            <a:noFill/>
+          </a:ln>
+        </p:spPr>
+        <p:style>
+          <a:lnRef idx="2">
+            <a:schemeClr val="accent1">
+              <a:shade val="50000"/>
+            </a:schemeClr>
+          </a:lnRef>
+          <a:fillRef idx="1">
+            <a:schemeClr val="accent1"/>
+          </a:fillRef>
+          <a:effectRef idx="0">
+            <a:schemeClr val="accent1"/>
+          </a:effectRef>
+          <a:fontRef idx="minor">
+            <a:schemeClr val="lt1"/>
+          </a:fontRef>
+        </p:style>
+        <p:txBody>
+          <a:bodyPr rtlCol="0" anchor="ctr"/>
+          <a:lstStyle/>
+          <a:p>
+            <a:pPr algn="ctr"/>
+            <a:endParaRPr lang="en-US"/>
+          </a:p>
+        </p:txBody>
+      </p:sp>
+      <p:sp>
+        <p:nvSpPr>
+          <p:cNvPr id="23" name="Rectangle 13">
+            <a:extLst>
+              <a:ext uri="{FF2B5EF4-FFF2-40B4-BE49-F238E27FC236}">
+                <a16:creationId xmlns:a16="http://schemas.microsoft.com/office/drawing/2014/main" id="{375E0459-6403-40CD-989D-56A4407CA12E}"/>
+              </a:ext>
+              <a:ext uri="{C183D7F6-B498-43B3-948B-1728B52AA6E4}">
+                <adec:decorative xmlns:adec="http://schemas.microsoft.com/office/drawing/2017/decorative" val="1"/>
+              </a:ext>
+            </a:extLst>
+          </p:cNvPr>
+          <p:cNvSpPr>
+            <a:spLocks noGrp="1" noRot="1" noChangeAspect="1" noMove="1" noResize="1" noEditPoints="1" noAdjustHandles="1" noChangeArrowheads="1" noChangeShapeType="1" noTextEdit="1"/>
+          </p:cNvSpPr>
+          <p:nvPr>
+            <p:extLst>
+              <p:ext uri="{386F3935-93C4-4BCD-93E2-E3B085C9AB24}">
+                <p16:designElem xmlns:p16="http://schemas.microsoft.com/office/powerpoint/2015/main" val="1"/>
+              </p:ext>
+            </p:extLst>
+          </p:nvPr>
+        </p:nvSpPr>
+        <p:spPr>
+          <a:xfrm flipH="1">
+            <a:off x="8115299" y="-1"/>
+            <a:ext cx="4076698" cy="1590742"/>
+          </a:xfrm>
+          <a:prstGeom prst="rect">
+            <a:avLst/>
+          </a:prstGeom>
+          <a:gradFill>
+            <a:gsLst>
+              <a:gs pos="0">
+                <a:schemeClr val="accent1">
+                  <a:alpha val="66000"/>
+                </a:schemeClr>
+              </a:gs>
+              <a:gs pos="100000">
+                <a:srgbClr val="000000">
+                  <a:alpha val="30000"/>
+                </a:srgbClr>
+              </a:gs>
+            </a:gsLst>
+            <a:lin ang="13200000" scaled="0"/>
+          </a:gradFill>
+          <a:ln>
+            <a:noFill/>
+          </a:ln>
+        </p:spPr>
+        <p:style>
+          <a:lnRef idx="2">
+            <a:schemeClr val="accent1">
+              <a:shade val="50000"/>
+            </a:schemeClr>
+          </a:lnRef>
+          <a:fillRef idx="1">
+            <a:schemeClr val="accent1"/>
+          </a:fillRef>
+          <a:effectRef idx="0">
+            <a:schemeClr val="accent1"/>
+          </a:effectRef>
+          <a:fontRef idx="minor">
+            <a:schemeClr val="lt1"/>
+          </a:fontRef>
+        </p:style>
+        <p:txBody>
+          <a:bodyPr rtlCol="0" anchor="ctr"/>
+          <a:lstStyle/>
+          <a:p>
+            <a:pPr algn="ctr"/>
+            <a:endParaRPr lang="en-US"/>
+          </a:p>
+        </p:txBody>
+      </p:sp>
+      <p:sp>
+        <p:nvSpPr>
+          <p:cNvPr id="24" name="Rectangle 15">
+            <a:extLst>
+              <a:ext uri="{FF2B5EF4-FFF2-40B4-BE49-F238E27FC236}">
+                <a16:creationId xmlns:a16="http://schemas.microsoft.com/office/drawing/2014/main" id="{53E5B1A8-3AC9-4BD1-9BBC-78CA94F2D1BA}"/>
+              </a:ext>
+              <a:ext uri="{C183D7F6-B498-43B3-948B-1728B52AA6E4}">
+                <adec:decorative xmlns:adec="http://schemas.microsoft.com/office/drawing/2017/decorative" val="1"/>
+              </a:ext>
+            </a:extLst>
+          </p:cNvPr>
+          <p:cNvSpPr>
+            <a:spLocks noGrp="1" noRot="1" noChangeAspect="1" noMove="1" noResize="1" noEditPoints="1" noAdjustHandles="1" noChangeArrowheads="1" noChangeShapeType="1" noTextEdit="1"/>
+          </p:cNvSpPr>
+          <p:nvPr>
+            <p:extLst>
+              <p:ext uri="{386F3935-93C4-4BCD-93E2-E3B085C9AB24}">
+                <p16:designElem xmlns:p16="http://schemas.microsoft.com/office/powerpoint/2015/main" val="1"/>
+              </p:ext>
+            </p:extLst>
+          </p:nvPr>
+        </p:nvSpPr>
+        <p:spPr>
+          <a:xfrm>
+            <a:off x="459350" y="-1"/>
+            <a:ext cx="11732646" cy="1597433"/>
+          </a:xfrm>
+          <a:prstGeom prst="rect">
+            <a:avLst/>
+          </a:prstGeom>
+          <a:gradFill>
+            <a:gsLst>
+              <a:gs pos="50000">
+                <a:srgbClr val="000000">
+                  <a:alpha val="0"/>
+                </a:srgbClr>
+              </a:gs>
+              <a:gs pos="99000">
+                <a:schemeClr val="accent1">
+                  <a:lumMod val="50000"/>
+                  <a:alpha val="52000"/>
+                </a:schemeClr>
+              </a:gs>
+            </a:gsLst>
+            <a:lin ang="16800000" scaled="0"/>
+          </a:gradFill>
+          <a:ln>
+            <a:noFill/>
+          </a:ln>
+        </p:spPr>
+        <p:style>
+          <a:lnRef idx="2">
+            <a:schemeClr val="accent1">
+              <a:shade val="50000"/>
+            </a:schemeClr>
+          </a:lnRef>
+          <a:fillRef idx="1">
+            <a:schemeClr val="accent1"/>
+          </a:fillRef>
+          <a:effectRef idx="0">
+            <a:schemeClr val="accent1"/>
+          </a:effectRef>
+          <a:fontRef idx="minor">
+            <a:schemeClr val="lt1"/>
+          </a:fontRef>
+        </p:style>
+        <p:txBody>
+          <a:bodyPr rtlCol="0" anchor="ctr"/>
+          <a:lstStyle/>
+          <a:p>
+            <a:pPr algn="ctr"/>
+            <a:endParaRPr lang="en-US"/>
+          </a:p>
+        </p:txBody>
+      </p:sp>
       <p:sp>
         <p:nvSpPr>
           <p:cNvPr id="2" name="Title 1">
@@ -29737,16 +30512,31 @@
             <p:ph type="title"/>
           </p:nvPr>
         </p:nvSpPr>
-        <p:spPr/>
-        <p:txBody>
-          <a:bodyPr/>
+        <p:spPr>
+          <a:xfrm>
+            <a:off x="1371599" y="294538"/>
+            <a:ext cx="9895951" cy="1033669"/>
+          </a:xfrm>
+        </p:spPr>
+        <p:txBody>
+          <a:bodyPr>
+            <a:normAutofit/>
+          </a:bodyPr>
           <a:lstStyle/>
           <a:p>
             <a:r>
-              <a:rPr lang="en-US" dirty="0"/>
+              <a:rPr lang="en-US" sz="4000">
+                <a:solidFill>
+                  <a:srgbClr val="FFFFFF"/>
+                </a:solidFill>
+              </a:rPr>
               <a:t>Results of Project 1</a:t>
             </a:r>
-            <a:endParaRPr lang="en-CA" dirty="0"/>
+            <a:endParaRPr lang="en-CA" sz="4000">
+              <a:solidFill>
+                <a:srgbClr val="FFFFFF"/>
+              </a:solidFill>
+            </a:endParaRPr>
           </a:p>
         </p:txBody>
       </p:sp>
@@ -29766,76 +30556,89 @@
             <p:ph idx="1"/>
           </p:nvPr>
         </p:nvSpPr>
-        <p:spPr/>
-        <p:txBody>
-          <a:bodyPr>
-            <a:normAutofit lnSpcReduction="10000"/>
+        <p:spPr>
+          <a:xfrm>
+            <a:off x="1371599" y="2318197"/>
+            <a:ext cx="9724031" cy="3683358"/>
+          </a:xfrm>
+        </p:spPr>
+        <p:txBody>
+          <a:bodyPr anchor="ctr">
+            <a:normAutofit/>
           </a:bodyPr>
           <a:lstStyle/>
           <a:p>
             <a:r>
-              <a:rPr lang="en-US" dirty="0"/>
+              <a:rPr lang="en-US" sz="1900" dirty="0"/>
               <a:t>At the time of Project Completion in October 2021… </a:t>
             </a:r>
-            <a:endParaRPr lang="en-CA" dirty="0"/>
-          </a:p>
-          <a:p>
-            <a:r>
-              <a:rPr lang="en-CA" dirty="0"/>
+            <a:endParaRPr lang="en-CA" sz="1900" dirty="0"/>
+          </a:p>
+          <a:p>
+            <a:r>
+              <a:rPr lang="en-CA" sz="1900" dirty="0"/>
               <a:t>Compared to ALL stocks and ETFs traded on the NYSE that have traded for 5 years or longer: </a:t>
             </a:r>
           </a:p>
           <a:p>
             <a:pPr lvl="1"/>
             <a:r>
-              <a:rPr lang="en-CA" dirty="0"/>
+              <a:rPr lang="en-CA" sz="1900" dirty="0"/>
               <a:t>GME ranked 63</a:t>
             </a:r>
             <a:r>
-              <a:rPr lang="en-CA" baseline="30000" dirty="0"/>
+              <a:rPr lang="en-CA" sz="1900" baseline="30000" dirty="0"/>
               <a:t>rd</a:t>
             </a:r>
             <a:r>
-              <a:rPr lang="en-CA" dirty="0"/>
-              <a:t> for FTDs posted and recorded by the SEC with a quantity of Fails equal to 77% of their outstanding shares (or approximately 70 million shares which failed to deliver on time) over a twelve month span </a:t>
+              <a:rPr lang="en-CA" sz="1900" dirty="0"/>
+              <a:t> for FTDs posted and recorded by the SEC with a quantity of Fails equal to 77% of their outstanding shares (or approximately 70 million shares which failed to deliver on time) over a twelve-month span </a:t>
             </a:r>
           </a:p>
           <a:p>
             <a:pPr lvl="1"/>
             <a:r>
-              <a:rPr lang="en-CA" dirty="0"/>
+              <a:rPr lang="en-CA" sz="1900" dirty="0"/>
               <a:t>Of the top 100 symbols with the highest FTDs in the past year – 73 were ETFs while only 27 were stocks. </a:t>
             </a:r>
           </a:p>
           <a:p>
             <a:pPr lvl="1"/>
             <a:r>
-              <a:rPr lang="en-CA" dirty="0"/>
+              <a:rPr lang="en-CA" sz="1900" dirty="0"/>
               <a:t>520 symbols posted FTDs greater than 10% of their outstanding shares </a:t>
             </a:r>
           </a:p>
           <a:p>
             <a:pPr lvl="1"/>
             <a:r>
-              <a:rPr lang="en-CA" dirty="0"/>
+              <a:rPr lang="en-CA" sz="1900" dirty="0"/>
               <a:t>11 symbols posted FTDs greater than </a:t>
             </a:r>
             <a:r>
-              <a:rPr lang="en-CA" b="1" dirty="0"/>
+              <a:rPr lang="en-CA" sz="1900" b="1" dirty="0"/>
               <a:t>160%</a:t>
             </a:r>
             <a:r>
-              <a:rPr lang="en-CA" dirty="0"/>
+              <a:rPr lang="en-CA" sz="1900" dirty="0"/>
               <a:t> of their outstanding shares </a:t>
             </a:r>
           </a:p>
           <a:p>
             <a:pPr lvl="1"/>
             <a:r>
-              <a:rPr lang="en-CA" dirty="0"/>
-              <a:t>JCST, a gold-mining ETF, was the very highest symbol, with just over 570% of their outstanding shares having failed-to-deliver in the past year </a:t>
-            </a:r>
-            <a:endParaRPr lang="en-US" dirty="0"/>
+              <a:rPr lang="en-CA" sz="1900" dirty="0"/>
+              <a:t>JCST, a gold-mining ETF, was the top symbol, with just over </a:t>
+            </a:r>
+            <a:r>
+              <a:rPr lang="en-CA" sz="1900" b="1" dirty="0"/>
+              <a:t>570%</a:t>
+            </a:r>
+            <a:r>
+              <a:rPr lang="en-CA" sz="1900" dirty="0"/>
+              <a:t> of their outstanding shares having failed-to-deliver in the past year </a:t>
+            </a:r>
+            <a:endParaRPr lang="en-US" sz="1900" dirty="0"/>
           </a:p>
         </p:txBody>
       </p:sp>

--- a/DemoDay_FTD_Presentation.pptx
+++ b/DemoDay_FTD_Presentation.pptx
@@ -27890,11 +27890,18 @@
           </a:p>
           <a:p>
             <a:r>
+              <a:rPr lang="en-GB">
+                <a:latin typeface="Calibri" panose="020F0502020204030204" pitchFamily="34" charset="0"/>
+                <a:cs typeface="Calibri" panose="020F0502020204030204" pitchFamily="34" charset="0"/>
+              </a:rPr>
+              <a:t>While </a:t>
+            </a:r>
+            <a:r>
               <a:rPr lang="en-GB" dirty="0">
                 <a:latin typeface="Calibri" panose="020F0502020204030204" pitchFamily="34" charset="0"/>
                 <a:cs typeface="Calibri" panose="020F0502020204030204" pitchFamily="34" charset="0"/>
               </a:rPr>
-              <a:t> While forecasting price data, it is difficult to gauge model accuracy, because of the placeholder data required to fill in the testing data, which throws off the accuracy of the end predictions </a:t>
+              <a:t>forecasting price data, it is difficult to gauge model accuracy, because of the placeholder data required to fill in the testing data, which throws off the accuracy of the end predictions </a:t>
             </a:r>
           </a:p>
           <a:p>
@@ -29733,8 +29740,8 @@
           </a:p>
         </p:txBody>
       </p:sp>
-      <mc:AlternateContent xmlns:mc="http://schemas.openxmlformats.org/markup-compatibility/2006">
-        <mc:Choice xmlns:a14="http://schemas.microsoft.com/office/drawing/2010/main" Requires="a14">
+      <mc:AlternateContent xmlns:mc="http://schemas.openxmlformats.org/markup-compatibility/2006" xmlns:a14="http://schemas.microsoft.com/office/drawing/2010/main">
+        <mc:Choice Requires="a14">
           <p:sp>
             <p:nvSpPr>
               <p:cNvPr id="3" name="Content Placeholder 2">
@@ -29956,7 +29963,7 @@
             </p:txBody>
           </p:sp>
         </mc:Choice>
-        <mc:Fallback>
+        <mc:Fallback xmlns="">
           <p:sp>
             <p:nvSpPr>
               <p:cNvPr id="3" name="Content Placeholder 2">
